--- a/slides/date_time_lecture.pptx
+++ b/slides/date_time_lecture.pptx
@@ -534,7 +534,7 @@
           <a:p>
             <a:fld id="{24536002-64DE-4F25-BC3F-C4062668BA78}" type="datetimeFigureOut">
               <a:rPr lang="en-US" smtClean="0"/>
-              <a:t>4/23/22</a:t>
+              <a:t>5/28/22</a:t>
             </a:fld>
             <a:endParaRPr lang="en-US"/>
           </a:p>
@@ -948,7 +948,7 @@
           <a:p>
             <a:fld id="{3E321A48-21CD-4D63-9EA7-6CD8F73AC5FA}" type="datetime1">
               <a:rPr lang="en-US" smtClean="0"/>
-              <a:t>4/23/22</a:t>
+              <a:t>5/28/22</a:t>
             </a:fld>
             <a:endParaRPr lang="en-US"/>
           </a:p>
@@ -1146,7 +1146,7 @@
           <a:p>
             <a:fld id="{2B0E1870-74B9-4C8E-BA11-9F2786A4D219}" type="datetime1">
               <a:rPr lang="en-US" smtClean="0"/>
-              <a:t>4/23/22</a:t>
+              <a:t>5/28/22</a:t>
             </a:fld>
             <a:endParaRPr lang="en-US"/>
           </a:p>
@@ -1354,7 +1354,7 @@
           <a:p>
             <a:fld id="{1D368E51-BDCE-44B5-A1FB-AF3840FB3A33}" type="datetime1">
               <a:rPr lang="en-US" smtClean="0"/>
-              <a:t>4/23/22</a:t>
+              <a:t>5/28/22</a:t>
             </a:fld>
             <a:endParaRPr lang="en-US"/>
           </a:p>
@@ -1552,7 +1552,7 @@
           <a:p>
             <a:fld id="{F78DCE9C-F5A5-40E4-9759-E89AD5F35A88}" type="datetime1">
               <a:rPr lang="en-US" smtClean="0"/>
-              <a:t>4/23/22</a:t>
+              <a:t>5/28/22</a:t>
             </a:fld>
             <a:endParaRPr lang="en-US"/>
           </a:p>
@@ -1827,7 +1827,7 @@
           <a:p>
             <a:fld id="{9C435C06-9DF9-4438-BE99-EEF05A6FE505}" type="datetime1">
               <a:rPr lang="en-US" smtClean="0"/>
-              <a:t>4/23/22</a:t>
+              <a:t>5/28/22</a:t>
             </a:fld>
             <a:endParaRPr lang="en-US"/>
           </a:p>
@@ -2092,7 +2092,7 @@
           <a:p>
             <a:fld id="{73524BA3-5532-4E68-8861-CA92B9A0C672}" type="datetime1">
               <a:rPr lang="en-US" smtClean="0"/>
-              <a:t>4/23/22</a:t>
+              <a:t>5/28/22</a:t>
             </a:fld>
             <a:endParaRPr lang="en-US"/>
           </a:p>
@@ -2504,7 +2504,7 @@
           <a:p>
             <a:fld id="{FEC2EAEC-40E4-4148-A51E-9A1FCD07F1EC}" type="datetime1">
               <a:rPr lang="en-US" smtClean="0"/>
-              <a:t>4/23/22</a:t>
+              <a:t>5/28/22</a:t>
             </a:fld>
             <a:endParaRPr lang="en-US"/>
           </a:p>
@@ -2645,7 +2645,7 @@
           <a:p>
             <a:fld id="{737263FF-EFBD-4DBA-B36D-9E2BD4072FAA}" type="datetime1">
               <a:rPr lang="en-US" smtClean="0"/>
-              <a:t>4/23/22</a:t>
+              <a:t>5/28/22</a:t>
             </a:fld>
             <a:endParaRPr lang="en-US"/>
           </a:p>
@@ -2758,7 +2758,7 @@
           <a:p>
             <a:fld id="{66C141D0-DCB6-4FB2-B249-591D7B846DA8}" type="datetime1">
               <a:rPr lang="en-US" smtClean="0"/>
-              <a:t>4/23/22</a:t>
+              <a:t>5/28/22</a:t>
             </a:fld>
             <a:endParaRPr lang="en-US"/>
           </a:p>
@@ -3069,7 +3069,7 @@
           <a:p>
             <a:fld id="{DB66EA14-0229-4F56-B692-87AED5525B37}" type="datetime1">
               <a:rPr lang="en-US" smtClean="0"/>
-              <a:t>4/23/22</a:t>
+              <a:t>5/28/22</a:t>
             </a:fld>
             <a:endParaRPr lang="en-US"/>
           </a:p>
@@ -3357,7 +3357,7 @@
           <a:p>
             <a:fld id="{E99EBBD1-3740-46EA-897B-3A73624B6135}" type="datetime1">
               <a:rPr lang="en-US" smtClean="0"/>
-              <a:t>4/23/22</a:t>
+              <a:t>5/28/22</a:t>
             </a:fld>
             <a:endParaRPr lang="en-US"/>
           </a:p>
@@ -3598,7 +3598,7 @@
           <a:p>
             <a:fld id="{007BC287-B3D5-41E7-8BF6-A85A14F18987}" type="datetime1">
               <a:rPr lang="en-US" smtClean="0"/>
-              <a:t>4/23/22</a:t>
+              <a:t>5/28/22</a:t>
             </a:fld>
             <a:endParaRPr lang="en-US"/>
           </a:p>
@@ -7113,7 +7113,7 @@
         <p:spPr>
           <a:xfrm>
             <a:off x="685800" y="1181100"/>
-            <a:ext cx="10677525" cy="3416320"/>
+            <a:ext cx="10677525" cy="3970318"/>
           </a:xfrm>
           <a:prstGeom prst="rect">
             <a:avLst/>
@@ -7131,27 +7131,27 @@
               <a:buChar char="•"/>
             </a:pPr>
             <a:r>
-              <a:rPr lang="en-US" dirty="0"/>
+              <a:rPr lang="en-US" sz="2000" dirty="0"/>
               <a:t>Some variables in the data sets have a </a:t>
             </a:r>
             <a:r>
-              <a:rPr lang="en-US" dirty="0">
+              <a:rPr lang="en-US" sz="2000" dirty="0">
                 <a:latin typeface="Courier"/>
               </a:rPr>
               <a:t>date</a:t>
             </a:r>
             <a:r>
-              <a:rPr lang="en-US" dirty="0"/>
+              <a:rPr lang="en-US" sz="2000" dirty="0"/>
               <a:t> or </a:t>
             </a:r>
             <a:r>
-              <a:rPr lang="en-US" dirty="0">
+              <a:rPr lang="en-US" sz="2000" dirty="0">
                 <a:latin typeface="Courier"/>
               </a:rPr>
               <a:t>time</a:t>
             </a:r>
             <a:r>
-              <a:rPr lang="en-US" dirty="0"/>
+              <a:rPr lang="en-US" sz="2000" dirty="0"/>
               <a:t> type.</a:t>
             </a:r>
           </a:p>
@@ -7160,7 +7160,7 @@
               <a:buFont typeface="Arial" panose="020B0604020202020204" pitchFamily="34" charset="0"/>
               <a:buChar char="•"/>
             </a:pPr>
-            <a:endParaRPr lang="en-US" dirty="0"/>
+            <a:endParaRPr lang="en-US" sz="2000" dirty="0"/>
           </a:p>
           <a:p>
             <a:pPr marL="285750" lvl="0" indent="-285750">
@@ -7168,7 +7168,7 @@
               <a:buChar char="•"/>
             </a:pPr>
             <a:r>
-              <a:rPr lang="en-US" dirty="0"/>
+              <a:rPr lang="en-US" sz="2000" dirty="0"/>
               <a:t>We can see the types for the columns in the data frames with,</a:t>
             </a:r>
           </a:p>
@@ -7177,39 +7177,39 @@
               <a:buFont typeface="Arial" panose="020B0604020202020204" pitchFamily="34" charset="0"/>
               <a:buChar char="•"/>
             </a:pPr>
-            <a:endParaRPr lang="en-US" dirty="0"/>
+            <a:endParaRPr lang="en-US" sz="2000" dirty="0"/>
           </a:p>
           <a:p>
             <a:pPr lvl="0" indent="0">
               <a:buNone/>
             </a:pPr>
             <a:r>
-              <a:rPr lang="en-US" dirty="0">
+              <a:rPr lang="en-US" sz="2000" dirty="0">
                 <a:latin typeface="Courier"/>
               </a:rPr>
               <a:t>  glimpse(</a:t>
             </a:r>
             <a:r>
-              <a:rPr lang="en-US" dirty="0" err="1">
+              <a:rPr lang="en-US" sz="2000" dirty="0" err="1">
                 <a:latin typeface="Courier"/>
               </a:rPr>
               <a:t>food_services</a:t>
             </a:r>
             <a:r>
-              <a:rPr lang="en-US" dirty="0">
+              <a:rPr lang="en-US" sz="2000" dirty="0">
                 <a:latin typeface="Courier"/>
               </a:rPr>
               <a:t>)
   glimpse(</a:t>
             </a:r>
             <a:r>
-              <a:rPr lang="en-US" dirty="0" err="1">
+              <a:rPr lang="en-US" sz="2000" dirty="0" err="1">
                 <a:latin typeface="Courier"/>
               </a:rPr>
               <a:t>r_package_downloads</a:t>
             </a:r>
             <a:r>
-              <a:rPr lang="en-US" dirty="0">
+              <a:rPr lang="en-US" sz="2000" dirty="0">
                 <a:latin typeface="Courier"/>
               </a:rPr>
               <a:t>)</a:t>
@@ -7219,7 +7219,7 @@
             <a:pPr lvl="0" indent="0">
               <a:buNone/>
             </a:pPr>
-            <a:endParaRPr lang="en-US" dirty="0">
+            <a:endParaRPr lang="en-US" sz="2000" dirty="0">
               <a:latin typeface="Courier"/>
             </a:endParaRPr>
           </a:p>
@@ -7229,27 +7229,27 @@
               <a:buChar char="•"/>
             </a:pPr>
             <a:r>
-              <a:rPr lang="en-US" dirty="0"/>
+              <a:rPr lang="en-US" sz="2000" dirty="0"/>
               <a:t>The output shows that the date and time columns have data types associated with a </a:t>
             </a:r>
             <a:r>
-              <a:rPr lang="en-US" dirty="0">
+              <a:rPr lang="en-US" sz="2000" dirty="0">
                 <a:latin typeface="Courier"/>
               </a:rPr>
               <a:t>date</a:t>
             </a:r>
             <a:r>
-              <a:rPr lang="en-US" dirty="0"/>
+              <a:rPr lang="en-US" sz="2000" dirty="0"/>
               <a:t> or </a:t>
             </a:r>
             <a:r>
-              <a:rPr lang="en-US" dirty="0">
+              <a:rPr lang="en-US" sz="2000" dirty="0">
                 <a:latin typeface="Courier"/>
               </a:rPr>
               <a:t>time</a:t>
             </a:r>
             <a:r>
-              <a:rPr lang="en-US" dirty="0"/>
+              <a:rPr lang="en-US" sz="2000" dirty="0"/>
               <a:t> type in R.</a:t>
             </a:r>
           </a:p>
@@ -7565,7 +7565,7 @@
         <p:spPr>
           <a:xfrm>
             <a:off x="685800" y="1181100"/>
-            <a:ext cx="10677525" cy="3693319"/>
+            <a:ext cx="10677525" cy="4001095"/>
           </a:xfrm>
           <a:prstGeom prst="rect">
             <a:avLst/>
@@ -7580,13 +7580,13 @@
           <a:p>
             <a:pPr lvl="0"/>
             <a:r>
-              <a:rPr lang="en-US" dirty="0"/>
+              <a:rPr lang="en-US" sz="2000" dirty="0"/>
               <a:t>Some common challenges of working with data that contains date-time entries include</a:t>
             </a:r>
           </a:p>
           <a:p>
             <a:pPr lvl="0"/>
-            <a:endParaRPr lang="en-US" dirty="0"/>
+            <a:endParaRPr lang="en-US" sz="2000" dirty="0"/>
           </a:p>
           <a:p>
             <a:pPr marL="742950" lvl="1" indent="-285750">
@@ -7594,7 +7594,7 @@
               <a:buChar char="•"/>
             </a:pPr>
             <a:r>
-              <a:rPr lang="en-US" dirty="0"/>
+              <a:rPr lang="en-US" sz="2000" dirty="0"/>
               <a:t>Different individuals record dates and times differently.</a:t>
             </a:r>
           </a:p>
@@ -7603,7 +7603,7 @@
               <a:buFont typeface="Arial" panose="020B0604020202020204" pitchFamily="34" charset="0"/>
               <a:buChar char="•"/>
             </a:pPr>
-            <a:endParaRPr lang="en-US" dirty="0"/>
+            <a:endParaRPr lang="en-US" sz="2000" dirty="0"/>
           </a:p>
           <a:p>
             <a:pPr marL="742950" lvl="1" indent="-285750">
@@ -7611,7 +7611,7 @@
               <a:buChar char="•"/>
             </a:pPr>
             <a:r>
-              <a:rPr lang="en-US" dirty="0"/>
+              <a:rPr lang="en-US" sz="2000" dirty="0"/>
               <a:t>For example, all of the following represent the same day:</a:t>
             </a:r>
           </a:p>
@@ -7620,7 +7620,7 @@
               <a:buFont typeface="Arial" panose="020B0604020202020204" pitchFamily="34" charset="0"/>
               <a:buChar char="•"/>
             </a:pPr>
-            <a:endParaRPr lang="en-US" dirty="0"/>
+            <a:endParaRPr lang="en-US" sz="2000" dirty="0"/>
           </a:p>
           <a:p>
             <a:pPr marL="1200150" lvl="2" indent="-285750">
@@ -7628,7 +7628,7 @@
               <a:buChar char="•"/>
             </a:pPr>
             <a:r>
-              <a:rPr lang="en-US" dirty="0"/>
+              <a:rPr lang="en-US" sz="2000" dirty="0"/>
               <a:t>February 14, 2022</a:t>
             </a:r>
           </a:p>
@@ -7638,7 +7638,7 @@
               <a:buChar char="•"/>
             </a:pPr>
             <a:r>
-              <a:rPr lang="en-US" dirty="0"/>
+              <a:rPr lang="en-US" sz="2000" dirty="0"/>
               <a:t>02-14-2022</a:t>
             </a:r>
           </a:p>
@@ -7648,7 +7648,7 @@
               <a:buChar char="•"/>
             </a:pPr>
             <a:r>
-              <a:rPr lang="en-US" dirty="0"/>
+              <a:rPr lang="en-US" sz="2000" dirty="0"/>
               <a:t>2022-02-14</a:t>
             </a:r>
           </a:p>
@@ -7658,7 +7658,7 @@
               <a:buChar char="•"/>
             </a:pPr>
             <a:r>
-              <a:rPr lang="en-US" dirty="0"/>
+              <a:rPr lang="en-US" sz="2000" dirty="0"/>
               <a:t>14-Feb-2022</a:t>
             </a:r>
           </a:p>
@@ -7964,8 +7964,8 @@
         </p:nvSpPr>
         <p:spPr>
           <a:xfrm>
-            <a:off x="685800" y="1181100"/>
-            <a:ext cx="10677525" cy="1477328"/>
+            <a:off x="685800" y="1330472"/>
+            <a:ext cx="10677525" cy="1877437"/>
           </a:xfrm>
           <a:prstGeom prst="rect">
             <a:avLst/>
@@ -7983,7 +7983,7 @@
               <a:buChar char="•"/>
             </a:pPr>
             <a:r>
-              <a:rPr lang="en-US" dirty="0"/>
+              <a:rPr lang="en-US" sz="2000" dirty="0"/>
               <a:t>It can be very challenging to work with date or time data in a spreadsheet.</a:t>
             </a:r>
           </a:p>
@@ -7992,7 +7992,7 @@
               <a:buFont typeface="Arial" panose="020B0604020202020204" pitchFamily="34" charset="0"/>
               <a:buChar char="•"/>
             </a:pPr>
-            <a:endParaRPr lang="en-US" dirty="0"/>
+            <a:endParaRPr lang="en-US" sz="2000" dirty="0"/>
           </a:p>
           <a:p>
             <a:pPr marL="285750" indent="-285750">
@@ -8000,17 +8000,17 @@
               <a:buChar char="•"/>
             </a:pPr>
             <a:r>
-              <a:rPr lang="en-US" dirty="0"/>
+              <a:rPr lang="en-US" sz="2000" dirty="0"/>
               <a:t>Working in R facilitates easier handling of date-time data, especially when using the </a:t>
             </a:r>
             <a:r>
-              <a:rPr lang="en-US" dirty="0" err="1">
+              <a:rPr lang="en-US" sz="2000" dirty="0" err="1">
                 <a:latin typeface="Courier"/>
               </a:rPr>
               <a:t>lubridate</a:t>
             </a:r>
             <a:r>
-              <a:rPr lang="en-US" dirty="0"/>
+              <a:rPr lang="en-US" sz="2000" dirty="0"/>
               <a:t> package.</a:t>
             </a:r>
           </a:p>
@@ -8329,7 +8329,7 @@
         <p:spPr>
           <a:xfrm>
             <a:off x="685800" y="1181100"/>
-            <a:ext cx="10677525" cy="3139321"/>
+            <a:ext cx="10677525" cy="3385542"/>
           </a:xfrm>
           <a:prstGeom prst="rect">
             <a:avLst/>
@@ -8347,23 +8347,23 @@
               <a:buChar char="•"/>
             </a:pPr>
             <a:r>
-              <a:rPr lang="en-US" dirty="0">
+              <a:rPr lang="en-US" sz="2000" dirty="0">
                 <a:hlinkClick r:id="rId3"/>
               </a:rPr>
               <a:t>lubridate</a:t>
             </a:r>
             <a:r>
-              <a:rPr lang="en-US" dirty="0"/>
+              <a:rPr lang="en-US" sz="2000" dirty="0"/>
               <a:t> is an R package associated with the </a:t>
             </a:r>
             <a:r>
-              <a:rPr lang="en-US" dirty="0" err="1">
+              <a:rPr lang="en-US" sz="2000" dirty="0" err="1">
                 <a:latin typeface="Courier"/>
               </a:rPr>
               <a:t>tidyverse</a:t>
             </a:r>
             <a:r>
-              <a:rPr lang="en-US" dirty="0"/>
+              <a:rPr lang="en-US" sz="2000" dirty="0"/>
               <a:t> family of packages</a:t>
             </a:r>
           </a:p>
@@ -8372,7 +8372,7 @@
               <a:buFont typeface="Arial" panose="020B0604020202020204" pitchFamily="34" charset="0"/>
               <a:buChar char="•"/>
             </a:pPr>
-            <a:endParaRPr lang="en-US" dirty="0"/>
+            <a:endParaRPr lang="en-US" sz="2000" dirty="0"/>
           </a:p>
           <a:p>
             <a:pPr marL="285750" indent="-285750">
@@ -8380,51 +8380,51 @@
               <a:buChar char="•"/>
             </a:pPr>
             <a:r>
-              <a:rPr lang="en-US" dirty="0">
+              <a:rPr lang="en-US" sz="2000" dirty="0">
                 <a:latin typeface="Courier"/>
               </a:rPr>
               <a:t>library(</a:t>
             </a:r>
             <a:r>
-              <a:rPr lang="en-US" dirty="0" err="1">
+              <a:rPr lang="en-US" sz="2000" dirty="0" err="1">
                 <a:latin typeface="Courier"/>
               </a:rPr>
               <a:t>lubridate</a:t>
             </a:r>
             <a:r>
-              <a:rPr lang="en-US" dirty="0">
+              <a:rPr lang="en-US" sz="2000" dirty="0">
                 <a:latin typeface="Courier"/>
               </a:rPr>
               <a:t>)</a:t>
             </a:r>
             <a:r>
-              <a:rPr lang="en-US" dirty="0"/>
+              <a:rPr lang="en-US" sz="2000" dirty="0"/>
               <a:t> loads the package, note that </a:t>
             </a:r>
             <a:r>
-              <a:rPr lang="en-US" dirty="0" err="1">
+              <a:rPr lang="en-US" sz="2000" dirty="0" err="1">
                 <a:latin typeface="Courier"/>
               </a:rPr>
               <a:t>lubridate</a:t>
             </a:r>
             <a:r>
-              <a:rPr lang="en-US" dirty="0"/>
+              <a:rPr lang="en-US" sz="2000" dirty="0"/>
               <a:t> is not loaded by </a:t>
             </a:r>
             <a:r>
-              <a:rPr lang="en-US" dirty="0">
+              <a:rPr lang="en-US" sz="2000" dirty="0">
                 <a:latin typeface="Courier"/>
               </a:rPr>
               <a:t>library(</a:t>
             </a:r>
             <a:r>
-              <a:rPr lang="en-US" dirty="0" err="1">
+              <a:rPr lang="en-US" sz="2000" dirty="0" err="1">
                 <a:latin typeface="Courier"/>
               </a:rPr>
               <a:t>tidyverse</a:t>
             </a:r>
             <a:r>
-              <a:rPr lang="en-US" dirty="0">
+              <a:rPr lang="en-US" sz="2000" dirty="0">
                 <a:latin typeface="Courier"/>
               </a:rPr>
               <a:t>)</a:t>
@@ -8435,7 +8435,7 @@
               <a:buFont typeface="Arial" panose="020B0604020202020204" pitchFamily="34" charset="0"/>
               <a:buChar char="•"/>
             </a:pPr>
-            <a:endParaRPr lang="en-US" dirty="0"/>
+            <a:endParaRPr lang="en-US" sz="2000" dirty="0"/>
           </a:p>
           <a:p>
             <a:pPr marL="285750" indent="-285750">
@@ -8443,33 +8443,33 @@
               <a:buChar char="•"/>
             </a:pPr>
             <a:r>
-              <a:rPr lang="en-US" dirty="0" err="1">
+              <a:rPr lang="en-US" sz="2000" dirty="0" err="1">
                 <a:latin typeface="Courier"/>
               </a:rPr>
               <a:t>lubridate</a:t>
             </a:r>
             <a:r>
-              <a:rPr lang="en-US" dirty="0"/>
+              <a:rPr lang="en-US" sz="2000" dirty="0"/>
               <a:t> usage in covered in the </a:t>
             </a:r>
             <a:r>
-              <a:rPr lang="en-US" dirty="0">
+              <a:rPr lang="en-US" sz="2000" dirty="0">
                 <a:hlinkClick r:id="rId4"/>
               </a:rPr>
               <a:t>Dates and Times chapter</a:t>
             </a:r>
             <a:r>
-              <a:rPr lang="en-US" dirty="0"/>
+              <a:rPr lang="en-US" sz="2000" dirty="0"/>
               <a:t> of </a:t>
             </a:r>
             <a:r>
-              <a:rPr lang="en-US" dirty="0">
+              <a:rPr lang="en-US" sz="2000" dirty="0">
                 <a:hlinkClick r:id="rId5"/>
               </a:rPr>
               <a:t>R for Data Science</a:t>
             </a:r>
             <a:r>
-              <a:rPr lang="en-US" dirty="0"/>
+              <a:rPr lang="en-US" sz="2000" dirty="0"/>
               <a:t>.</a:t>
             </a:r>
           </a:p>
@@ -8478,7 +8478,7 @@
               <a:buFont typeface="Arial" panose="020B0604020202020204" pitchFamily="34" charset="0"/>
               <a:buChar char="•"/>
             </a:pPr>
-            <a:endParaRPr lang="en-US" dirty="0"/>
+            <a:endParaRPr lang="en-US" sz="2000" dirty="0"/>
           </a:p>
           <a:p>
             <a:pPr marL="285750" indent="-285750">
@@ -8486,17 +8486,17 @@
               <a:buChar char="•"/>
             </a:pPr>
             <a:r>
-              <a:rPr lang="en-US" dirty="0"/>
+              <a:rPr lang="en-US" sz="2000" dirty="0"/>
               <a:t>Let’s see some of the functionality of </a:t>
             </a:r>
             <a:r>
-              <a:rPr lang="en-US" dirty="0" err="1">
+              <a:rPr lang="en-US" sz="2000" dirty="0" err="1">
                 <a:latin typeface="Courier"/>
               </a:rPr>
               <a:t>lubridate</a:t>
             </a:r>
             <a:r>
-              <a:rPr lang="en-US" dirty="0"/>
+              <a:rPr lang="en-US" sz="2000" dirty="0"/>
               <a:t>.</a:t>
             </a:r>
           </a:p>
@@ -8803,7 +8803,7 @@
         <p:spPr>
           <a:xfrm>
             <a:off x="685800" y="1181100"/>
-            <a:ext cx="10677525" cy="5355312"/>
+            <a:ext cx="10677525" cy="5478423"/>
           </a:xfrm>
           <a:prstGeom prst="rect">
             <a:avLst/>
@@ -8821,73 +8821,73 @@
               <a:buChar char="•"/>
             </a:pPr>
             <a:r>
-              <a:rPr lang="en-US" dirty="0" err="1">
+              <a:rPr lang="en-US" sz="2000" dirty="0" err="1">
                 <a:latin typeface="Courier"/>
               </a:rPr>
               <a:t>lubridate</a:t>
             </a:r>
             <a:r>
-              <a:rPr lang="en-US" dirty="0"/>
+              <a:rPr lang="en-US" sz="2000" dirty="0"/>
               <a:t> contains functions </a:t>
             </a:r>
             <a:r>
-              <a:rPr lang="en-US" dirty="0" err="1">
+              <a:rPr lang="en-US" sz="2000" dirty="0" err="1">
                 <a:latin typeface="Courier"/>
               </a:rPr>
               <a:t>ymd</a:t>
             </a:r>
             <a:r>
-              <a:rPr lang="en-US" dirty="0"/>
+              <a:rPr lang="en-US" sz="2000" dirty="0"/>
               <a:t>, </a:t>
             </a:r>
             <a:r>
-              <a:rPr lang="en-US" dirty="0" err="1">
+              <a:rPr lang="en-US" sz="2000" dirty="0" err="1">
                 <a:latin typeface="Courier"/>
               </a:rPr>
               <a:t>ydm</a:t>
             </a:r>
             <a:r>
-              <a:rPr lang="en-US" dirty="0"/>
+              <a:rPr lang="en-US" sz="2000" dirty="0"/>
               <a:t>, </a:t>
             </a:r>
             <a:r>
-              <a:rPr lang="en-US" dirty="0" err="1">
+              <a:rPr lang="en-US" sz="2000" dirty="0" err="1">
                 <a:latin typeface="Courier"/>
               </a:rPr>
               <a:t>mdy</a:t>
             </a:r>
             <a:r>
-              <a:rPr lang="en-US" dirty="0"/>
+              <a:rPr lang="en-US" sz="2000" dirty="0"/>
               <a:t>, </a:t>
             </a:r>
             <a:r>
-              <a:rPr lang="en-US" dirty="0" err="1">
+              <a:rPr lang="en-US" sz="2000" dirty="0" err="1">
                 <a:latin typeface="Courier"/>
               </a:rPr>
               <a:t>myd</a:t>
             </a:r>
             <a:r>
-              <a:rPr lang="en-US" dirty="0"/>
+              <a:rPr lang="en-US" sz="2000" dirty="0"/>
               <a:t>, </a:t>
             </a:r>
             <a:r>
-              <a:rPr lang="en-US" dirty="0" err="1">
+              <a:rPr lang="en-US" sz="2000" dirty="0" err="1">
                 <a:latin typeface="Courier"/>
               </a:rPr>
               <a:t>dmy</a:t>
             </a:r>
             <a:r>
-              <a:rPr lang="en-US" dirty="0"/>
+              <a:rPr lang="en-US" sz="2000" dirty="0"/>
               <a:t>, and </a:t>
             </a:r>
             <a:r>
-              <a:rPr lang="en-US" dirty="0" err="1">
+              <a:rPr lang="en-US" sz="2000" dirty="0" err="1">
                 <a:latin typeface="Courier"/>
               </a:rPr>
               <a:t>dym</a:t>
             </a:r>
             <a:r>
-              <a:rPr lang="en-US" dirty="0"/>
+              <a:rPr lang="en-US" sz="2000" dirty="0"/>
               <a:t> to parse a string or character into a date. </a:t>
             </a:r>
           </a:p>
@@ -8896,7 +8896,7 @@
               <a:buFont typeface="Arial" panose="020B0604020202020204" pitchFamily="34" charset="0"/>
               <a:buChar char="•"/>
             </a:pPr>
-            <a:endParaRPr lang="en-US" dirty="0"/>
+            <a:endParaRPr lang="en-US" sz="2000" dirty="0"/>
           </a:p>
           <a:p>
             <a:pPr marL="285750" lvl="0" indent="-285750">
@@ -8904,7 +8904,7 @@
               <a:buChar char="•"/>
             </a:pPr>
             <a:r>
-              <a:rPr lang="en-US" dirty="0"/>
+              <a:rPr lang="en-US" sz="2000" dirty="0"/>
               <a:t>For example,</a:t>
             </a:r>
           </a:p>
@@ -9453,7 +9453,7 @@
         <p:spPr>
           <a:xfrm>
             <a:off x="685800" y="1181100"/>
-            <a:ext cx="10677525" cy="3139321"/>
+            <a:ext cx="10677525" cy="3231654"/>
           </a:xfrm>
           <a:prstGeom prst="rect">
             <a:avLst/>
@@ -9471,7 +9471,7 @@
               <a:buChar char="•"/>
             </a:pPr>
             <a:r>
-              <a:rPr lang="en-US" dirty="0"/>
+              <a:rPr lang="en-US" sz="2000" dirty="0"/>
               <a:t>We can also parse date-time strings. </a:t>
             </a:r>
           </a:p>
@@ -9480,7 +9480,7 @@
               <a:buFont typeface="Arial" panose="020B0604020202020204" pitchFamily="34" charset="0"/>
               <a:buChar char="•"/>
             </a:pPr>
-            <a:endParaRPr lang="en-US" dirty="0"/>
+            <a:endParaRPr lang="en-US" sz="2000" dirty="0"/>
           </a:p>
           <a:p>
             <a:pPr marL="285750" lvl="0" indent="-285750">
@@ -9488,7 +9488,7 @@
               <a:buChar char="•"/>
             </a:pPr>
             <a:r>
-              <a:rPr lang="en-US" dirty="0"/>
+              <a:rPr lang="en-US" sz="2000" dirty="0"/>
               <a:t>For example,</a:t>
             </a:r>
           </a:p>
@@ -9908,7 +9908,7 @@
         <p:spPr>
           <a:xfrm>
             <a:off x="685800" y="1181100"/>
-            <a:ext cx="10677525" cy="3693319"/>
+            <a:ext cx="10677525" cy="4308872"/>
           </a:xfrm>
           <a:prstGeom prst="rect">
             <a:avLst/>
@@ -9926,17 +9926,17 @@
               <a:buChar char="•"/>
             </a:pPr>
             <a:r>
-              <a:rPr lang="en-US" dirty="0"/>
+              <a:rPr lang="en-US" sz="2000" dirty="0"/>
               <a:t>It is also possible to manipulate dates and times with </a:t>
             </a:r>
             <a:r>
-              <a:rPr lang="en-US" dirty="0" err="1">
+              <a:rPr lang="en-US" sz="2000" dirty="0" err="1">
                 <a:latin typeface="Courier"/>
               </a:rPr>
               <a:t>lubridate</a:t>
             </a:r>
             <a:r>
-              <a:rPr lang="en-US" dirty="0"/>
+              <a:rPr lang="en-US" sz="2000" dirty="0"/>
               <a:t> functions. </a:t>
             </a:r>
           </a:p>
@@ -9945,7 +9945,7 @@
               <a:buFont typeface="Arial" panose="020B0604020202020204" pitchFamily="34" charset="0"/>
               <a:buChar char="•"/>
             </a:pPr>
-            <a:endParaRPr lang="en-US" dirty="0"/>
+            <a:endParaRPr lang="en-US" sz="2000" dirty="0"/>
           </a:p>
           <a:p>
             <a:pPr marL="285750" lvl="0" indent="-285750">
@@ -9953,17 +9953,17 @@
               <a:buChar char="•"/>
             </a:pPr>
             <a:r>
-              <a:rPr lang="en-US" dirty="0"/>
+              <a:rPr lang="en-US" sz="2000" dirty="0"/>
               <a:t>For example, the following command will split columns for the year, month, and day from the </a:t>
             </a:r>
             <a:r>
-              <a:rPr lang="en-US" dirty="0">
+              <a:rPr lang="en-US" sz="2000" dirty="0">
                 <a:latin typeface="Courier"/>
               </a:rPr>
               <a:t>Date</a:t>
             </a:r>
             <a:r>
-              <a:rPr lang="en-US" dirty="0"/>
+              <a:rPr lang="en-US" sz="2000" dirty="0"/>
               <a:t> column</a:t>
             </a:r>
           </a:p>
@@ -9972,26 +9972,26 @@
               <a:buFont typeface="Arial" panose="020B0604020202020204" pitchFamily="34" charset="0"/>
               <a:buChar char="•"/>
             </a:pPr>
-            <a:endParaRPr lang="en-US" dirty="0"/>
+            <a:endParaRPr lang="en-US" sz="2000" dirty="0"/>
           </a:p>
           <a:p>
             <a:pPr lvl="0" indent="0">
               <a:buNone/>
             </a:pPr>
             <a:r>
-              <a:rPr lang="en-US" dirty="0">
+              <a:rPr lang="en-US" sz="2000" dirty="0">
                 <a:latin typeface="Courier"/>
               </a:rPr>
               <a:t>  </a:t>
             </a:r>
             <a:r>
-              <a:rPr lang="en-US" dirty="0" err="1">
+              <a:rPr lang="en-US" sz="2000" dirty="0" err="1">
                 <a:latin typeface="Courier"/>
               </a:rPr>
               <a:t>food_services</a:t>
             </a:r>
             <a:r>
-              <a:rPr lang="en-US" dirty="0">
+              <a:rPr lang="en-US" sz="2000" dirty="0">
                 <a:latin typeface="Courier"/>
               </a:rPr>
               <a:t> %&gt;% 
@@ -10003,7 +10003,7 @@
             <a:pPr lvl="0" indent="0">
               <a:buNone/>
             </a:pPr>
-            <a:endParaRPr lang="en-US" dirty="0">
+            <a:endParaRPr lang="en-US" sz="2000" dirty="0">
               <a:latin typeface="Courier"/>
             </a:endParaRPr>
           </a:p>
@@ -10013,67 +10013,67 @@
               <a:buChar char="•"/>
             </a:pPr>
             <a:r>
-              <a:rPr lang="en-US" dirty="0"/>
+              <a:rPr lang="en-US" sz="2000" dirty="0"/>
               <a:t>Note that we have used the </a:t>
             </a:r>
             <a:r>
-              <a:rPr lang="en-US" dirty="0" err="1">
+              <a:rPr lang="en-US" sz="2000" dirty="0" err="1">
                 <a:latin typeface="Courier"/>
               </a:rPr>
               <a:t>lubridate</a:t>
             </a:r>
             <a:r>
-              <a:rPr lang="en-US" dirty="0"/>
+              <a:rPr lang="en-US" sz="2000" dirty="0"/>
               <a:t> functions </a:t>
             </a:r>
             <a:r>
-              <a:rPr lang="en-US" dirty="0">
+              <a:rPr lang="en-US" sz="2000" dirty="0">
                 <a:latin typeface="Courier"/>
               </a:rPr>
               <a:t>year</a:t>
             </a:r>
             <a:r>
-              <a:rPr lang="en-US" dirty="0"/>
+              <a:rPr lang="en-US" sz="2000" dirty="0"/>
               <a:t>, </a:t>
             </a:r>
             <a:r>
-              <a:rPr lang="en-US" dirty="0">
+              <a:rPr lang="en-US" sz="2000" dirty="0">
                 <a:latin typeface="Courier"/>
               </a:rPr>
               <a:t>month</a:t>
             </a:r>
             <a:r>
-              <a:rPr lang="en-US" dirty="0"/>
+              <a:rPr lang="en-US" sz="2000" dirty="0"/>
               <a:t>, and </a:t>
             </a:r>
             <a:r>
-              <a:rPr lang="en-US" dirty="0">
+              <a:rPr lang="en-US" sz="2000" dirty="0">
                 <a:latin typeface="Courier"/>
               </a:rPr>
               <a:t>day</a:t>
             </a:r>
             <a:r>
-              <a:rPr lang="en-US" dirty="0"/>
+              <a:rPr lang="en-US" sz="2000" dirty="0"/>
               <a:t> in combination with the </a:t>
             </a:r>
             <a:r>
-              <a:rPr lang="en-US" dirty="0">
+              <a:rPr lang="en-US" sz="2000" dirty="0">
                 <a:latin typeface="Courier"/>
               </a:rPr>
               <a:t>mutate</a:t>
             </a:r>
             <a:r>
-              <a:rPr lang="en-US" dirty="0"/>
+              <a:rPr lang="en-US" sz="2000" dirty="0"/>
               <a:t> function from </a:t>
             </a:r>
             <a:r>
-              <a:rPr lang="en-US" dirty="0" err="1">
+              <a:rPr lang="en-US" sz="2000" dirty="0" err="1">
                 <a:latin typeface="Courier"/>
               </a:rPr>
               <a:t>dplyr</a:t>
             </a:r>
             <a:r>
-              <a:rPr lang="en-US" dirty="0"/>
+              <a:rPr lang="en-US" sz="2000" dirty="0"/>
               <a:t> to add three new columns.</a:t>
             </a:r>
           </a:p>
@@ -10382,7 +10382,7 @@
         <p:spPr>
           <a:xfrm>
             <a:off x="685800" y="1181100"/>
-            <a:ext cx="10677525" cy="3139321"/>
+            <a:ext cx="10677525" cy="3385542"/>
           </a:xfrm>
           <a:prstGeom prst="rect">
             <a:avLst/>
@@ -10400,7 +10400,7 @@
               <a:buChar char="•"/>
             </a:pPr>
             <a:r>
-              <a:rPr lang="en-US" dirty="0"/>
+              <a:rPr lang="en-US" sz="2000" dirty="0"/>
               <a:t>Perhaps a data set has the year, month, and day spread across multiple columns and we would like to combine these into a single column. </a:t>
             </a:r>
           </a:p>
@@ -10409,7 +10409,7 @@
               <a:buFont typeface="Arial" panose="020B0604020202020204" pitchFamily="34" charset="0"/>
               <a:buChar char="•"/>
             </a:pPr>
-            <a:endParaRPr lang="en-US" dirty="0"/>
+            <a:endParaRPr lang="en-US" sz="2000" dirty="0"/>
           </a:p>
           <a:p>
             <a:pPr marL="285750" lvl="0" indent="-285750">
@@ -10417,7 +10417,7 @@
               <a:buChar char="•"/>
             </a:pPr>
             <a:r>
-              <a:rPr lang="en-US" dirty="0"/>
+              <a:rPr lang="en-US" sz="2000" dirty="0"/>
               <a:t>This is done with a command such as</a:t>
             </a:r>
           </a:p>
@@ -10426,26 +10426,26 @@
               <a:buFont typeface="Arial" panose="020B0604020202020204" pitchFamily="34" charset="0"/>
               <a:buChar char="•"/>
             </a:pPr>
-            <a:endParaRPr lang="en-US" dirty="0"/>
+            <a:endParaRPr lang="en-US" sz="2000" dirty="0"/>
           </a:p>
           <a:p>
             <a:pPr lvl="0" indent="0">
               <a:buNone/>
             </a:pPr>
             <a:r>
-              <a:rPr lang="en-US" dirty="0">
+              <a:rPr lang="en-US" sz="2000" dirty="0">
                 <a:latin typeface="Courier"/>
               </a:rPr>
               <a:t>  </a:t>
             </a:r>
             <a:r>
-              <a:rPr lang="en-US" dirty="0" err="1">
+              <a:rPr lang="en-US" sz="2000" dirty="0" err="1">
                 <a:latin typeface="Courier"/>
               </a:rPr>
               <a:t>make_date</a:t>
             </a:r>
             <a:r>
-              <a:rPr lang="en-US" dirty="0">
+              <a:rPr lang="en-US" sz="2000" dirty="0">
                 <a:latin typeface="Courier"/>
               </a:rPr>
               <a:t>(year=2022,month=03,day=10)</a:t>
@@ -10455,7 +10455,7 @@
             <a:pPr lvl="0" indent="0">
               <a:buNone/>
             </a:pPr>
-            <a:endParaRPr lang="en-US" dirty="0">
+            <a:endParaRPr lang="en-US" sz="2000" dirty="0">
               <a:latin typeface="Courier"/>
             </a:endParaRPr>
           </a:p>
@@ -10465,7 +10465,7 @@
               <a:buChar char="•"/>
             </a:pPr>
             <a:r>
-              <a:rPr lang="en-US" dirty="0"/>
+              <a:rPr lang="en-US" sz="2000" dirty="0"/>
               <a:t>Let’s see an application of this to a data frame.</a:t>
             </a:r>
           </a:p>
@@ -10774,7 +10774,7 @@
         <p:spPr>
           <a:xfrm>
             <a:off x="685800" y="1181100"/>
-            <a:ext cx="10677525" cy="923330"/>
+            <a:ext cx="10677525" cy="954107"/>
           </a:xfrm>
           <a:prstGeom prst="rect">
             <a:avLst/>
@@ -10792,7 +10792,7 @@
               <a:buChar char="•"/>
             </a:pPr>
             <a:r>
-              <a:rPr lang="en-US" dirty="0"/>
+              <a:rPr lang="en-US" sz="2000" dirty="0"/>
               <a:t>Let’s go to RStudio and work through some code for some common use case examples together.</a:t>
             </a:r>
           </a:p>
@@ -11092,7 +11092,7 @@
         <p:spPr>
           <a:xfrm>
             <a:off x="685800" y="1181100"/>
-            <a:ext cx="10677525" cy="2862322"/>
+            <a:ext cx="10677525" cy="3077766"/>
           </a:xfrm>
           <a:prstGeom prst="rect">
             <a:avLst/>
@@ -11107,13 +11107,13 @@
           <a:p>
             <a:pPr lvl="0"/>
             <a:r>
-              <a:rPr lang="en-US" dirty="0"/>
+              <a:rPr lang="en-US" sz="2000" dirty="0"/>
               <a:t>In this lesson we</a:t>
             </a:r>
           </a:p>
           <a:p>
             <a:pPr lvl="0"/>
-            <a:endParaRPr lang="en-US" dirty="0"/>
+            <a:endParaRPr lang="en-US" sz="2000" dirty="0"/>
           </a:p>
           <a:p>
             <a:pPr marL="285750" indent="-285750">
@@ -11121,7 +11121,7 @@
               <a:buChar char="•"/>
             </a:pPr>
             <a:r>
-              <a:rPr lang="en-US" dirty="0"/>
+              <a:rPr lang="en-US" sz="2000" dirty="0"/>
               <a:t> motivated the necessity of working with date and time data,</a:t>
             </a:r>
           </a:p>
@@ -11130,7 +11130,7 @@
               <a:buFont typeface="Arial" panose="020B0604020202020204" pitchFamily="34" charset="0"/>
               <a:buChar char="•"/>
             </a:pPr>
-            <a:endParaRPr lang="en-US" dirty="0"/>
+            <a:endParaRPr lang="en-US" sz="2000" dirty="0"/>
           </a:p>
           <a:p>
             <a:pPr marL="285750" indent="-285750">
@@ -11138,7 +11138,7 @@
               <a:buChar char="•"/>
             </a:pPr>
             <a:r>
-              <a:rPr lang="en-US" dirty="0"/>
+              <a:rPr lang="en-US" sz="2000" dirty="0"/>
               <a:t>explained some of the challenges that this present, and</a:t>
             </a:r>
           </a:p>
@@ -11147,7 +11147,7 @@
               <a:buFont typeface="Arial" panose="020B0604020202020204" pitchFamily="34" charset="0"/>
               <a:buChar char="•"/>
             </a:pPr>
-            <a:endParaRPr lang="en-US" dirty="0"/>
+            <a:endParaRPr lang="en-US" sz="2000" dirty="0"/>
           </a:p>
           <a:p>
             <a:pPr marL="285750" indent="-285750">
@@ -11155,17 +11155,17 @@
               <a:buChar char="•"/>
             </a:pPr>
             <a:r>
-              <a:rPr lang="en-US" dirty="0"/>
+              <a:rPr lang="en-US" sz="2000" dirty="0"/>
               <a:t>showed </a:t>
             </a:r>
             <a:r>
-              <a:rPr lang="en-US" dirty="0" err="1">
+              <a:rPr lang="en-US" sz="2000" dirty="0" err="1">
                 <a:latin typeface="Courier"/>
               </a:rPr>
               <a:t>lubridate</a:t>
             </a:r>
             <a:r>
-              <a:rPr lang="en-US" dirty="0"/>
+              <a:rPr lang="en-US" sz="2000" dirty="0"/>
               <a:t> functions that address facilitate solving common date-time problems in R.</a:t>
             </a:r>
           </a:p>
@@ -11478,7 +11478,7 @@
         <p:spPr>
           <a:xfrm>
             <a:off x="685800" y="1181100"/>
-            <a:ext cx="10677525" cy="2031325"/>
+            <a:ext cx="10677525" cy="2523768"/>
           </a:xfrm>
           <a:prstGeom prst="rect">
             <a:avLst/>
@@ -11493,13 +11493,13 @@
           <a:p>
             <a:pPr lvl="0"/>
             <a:r>
-              <a:rPr lang="en-US" dirty="0"/>
+              <a:rPr lang="en-US" sz="2000" dirty="0"/>
               <a:t>After this lesson you should:</a:t>
             </a:r>
           </a:p>
           <a:p>
             <a:pPr lvl="0"/>
-            <a:endParaRPr lang="en-US" dirty="0"/>
+            <a:endParaRPr lang="en-US" sz="2000" dirty="0"/>
           </a:p>
           <a:p>
             <a:pPr marL="457200" indent="-457200">
@@ -11507,7 +11507,7 @@
               <a:buAutoNum type="arabicPeriod"/>
             </a:pPr>
             <a:r>
-              <a:rPr lang="en-US" dirty="0"/>
+              <a:rPr lang="en-US" sz="2000" dirty="0"/>
               <a:t>be aware of some common challenges of working with data that include dates and times, and</a:t>
             </a:r>
           </a:p>
@@ -11515,7 +11515,7 @@
             <a:pPr marL="457200" lvl="0" indent="-457200">
               <a:buAutoNum type="arabicPeriod"/>
             </a:pPr>
-            <a:endParaRPr lang="en-US" dirty="0"/>
+            <a:endParaRPr lang="en-US" sz="2000" dirty="0"/>
           </a:p>
           <a:p>
             <a:pPr marL="457200" indent="-457200">
@@ -11523,22 +11523,22 @@
               <a:buAutoNum type="arabicPeriod"/>
             </a:pPr>
             <a:r>
-              <a:rPr lang="en-US" dirty="0"/>
+              <a:rPr lang="en-US" sz="2000" dirty="0"/>
               <a:t>know some introductory level techniques for handling date-time data in R using the </a:t>
             </a:r>
             <a:r>
-              <a:rPr lang="en-US" dirty="0">
+              <a:rPr lang="en-US" sz="2000" dirty="0">
                 <a:hlinkClick r:id="rId3"/>
               </a:rPr>
               <a:t>lubridate</a:t>
             </a:r>
             <a:r>
-              <a:rPr lang="en-US" dirty="0"/>
+              <a:rPr lang="en-US" sz="2000" dirty="0"/>
               <a:t> package.</a:t>
             </a:r>
           </a:p>
           <a:p>
-            <a:endParaRPr lang="en-US" dirty="0"/>
+            <a:endParaRPr lang="en-US" sz="2000" dirty="0"/>
           </a:p>
           <a:p>
             <a:endParaRPr lang="en-US" dirty="0"/>
@@ -12005,7 +12005,7 @@
           <a:p>
             <a:pPr algn="ctr"/>
             <a:r>
-              <a:rPr lang="en-US" dirty="0">
+              <a:rPr lang="en-US" sz="2000" dirty="0">
                 <a:solidFill>
                   <a:schemeClr val="tx1"/>
                 </a:solidFill>
@@ -12013,7 +12013,7 @@
               <a:t>We have introduced and demonstrated working with dates and time in R using the </a:t>
             </a:r>
             <a:r>
-              <a:rPr lang="en-US" dirty="0" err="1">
+              <a:rPr lang="en-US" sz="2000" dirty="0" err="1">
                 <a:solidFill>
                   <a:schemeClr val="tx1"/>
                 </a:solidFill>
@@ -12022,7 +12022,7 @@
               <a:t>lubridate</a:t>
             </a:r>
             <a:r>
-              <a:rPr lang="en-US" dirty="0">
+              <a:rPr lang="en-US" sz="2000" dirty="0">
                 <a:solidFill>
                   <a:schemeClr val="tx1"/>
                 </a:solidFill>
@@ -12774,7 +12774,7 @@
         <p:spPr>
           <a:xfrm>
             <a:off x="685800" y="1181100"/>
-            <a:ext cx="10677525" cy="3416320"/>
+            <a:ext cx="10677525" cy="3724096"/>
           </a:xfrm>
           <a:prstGeom prst="rect">
             <a:avLst/>
@@ -12789,13 +12789,13 @@
           <a:p>
             <a:pPr lvl="0"/>
             <a:r>
-              <a:rPr lang="en-US" dirty="0"/>
+              <a:rPr lang="en-US" sz="2000" dirty="0"/>
               <a:t>In this lesson, we will</a:t>
             </a:r>
           </a:p>
           <a:p>
             <a:pPr lvl="0"/>
-            <a:endParaRPr lang="en-US" dirty="0"/>
+            <a:endParaRPr lang="en-US" sz="2000" dirty="0"/>
           </a:p>
           <a:p>
             <a:pPr marL="285750" lvl="0" indent="-285750">
@@ -12803,13 +12803,13 @@
               <a:buChar char="•"/>
             </a:pPr>
             <a:r>
-              <a:rPr lang="en-US" dirty="0"/>
+              <a:rPr lang="en-US" sz="2000" dirty="0"/>
               <a:t>motivate the need to work with data sets that include variables that record information corresponding to dates or times,</a:t>
             </a:r>
           </a:p>
           <a:p>
             <a:pPr lvl="0"/>
-            <a:endParaRPr lang="en-US" dirty="0"/>
+            <a:endParaRPr lang="en-US" sz="2000" dirty="0"/>
           </a:p>
           <a:p>
             <a:pPr marL="285750" lvl="0" indent="-285750">
@@ -12817,13 +12817,13 @@
               <a:buChar char="•"/>
             </a:pPr>
             <a:r>
-              <a:rPr lang="en-US" dirty="0"/>
+              <a:rPr lang="en-US" sz="2000" dirty="0"/>
               <a:t>explain some common problems associated with data-time data,</a:t>
             </a:r>
           </a:p>
           <a:p>
             <a:pPr lvl="0"/>
-            <a:endParaRPr lang="en-US" dirty="0"/>
+            <a:endParaRPr lang="en-US" sz="2000" dirty="0"/>
           </a:p>
           <a:p>
             <a:pPr marL="285750" lvl="0" indent="-285750">
@@ -12831,23 +12831,23 @@
               <a:buChar char="•"/>
             </a:pPr>
             <a:r>
-              <a:rPr lang="en-US" dirty="0"/>
+              <a:rPr lang="en-US" sz="2000" dirty="0"/>
               <a:t>explain the most basic functions from the </a:t>
             </a:r>
             <a:r>
-              <a:rPr lang="en-US" dirty="0" err="1">
+              <a:rPr lang="en-US" sz="2000" dirty="0" err="1">
                 <a:latin typeface="Courier"/>
               </a:rPr>
               <a:t>lubridate</a:t>
             </a:r>
             <a:r>
-              <a:rPr lang="en-US" dirty="0"/>
+              <a:rPr lang="en-US" sz="2000" dirty="0"/>
               <a:t> package, and</a:t>
             </a:r>
           </a:p>
           <a:p>
             <a:pPr lvl="0"/>
-            <a:endParaRPr lang="en-US" dirty="0"/>
+            <a:endParaRPr lang="en-US" sz="2000" dirty="0"/>
           </a:p>
           <a:p>
             <a:pPr marL="285750" lvl="0" indent="-285750">
@@ -12855,7 +12855,7 @@
               <a:buChar char="•"/>
             </a:pPr>
             <a:r>
-              <a:rPr lang="en-US" dirty="0"/>
+              <a:rPr lang="en-US" sz="2000" dirty="0"/>
               <a:t>present some use case examples.</a:t>
             </a:r>
           </a:p>
@@ -13151,7 +13151,7 @@
         <p:spPr>
           <a:xfrm>
             <a:off x="685800" y="1181100"/>
-            <a:ext cx="10677525" cy="2585323"/>
+            <a:ext cx="10677525" cy="3724096"/>
           </a:xfrm>
           <a:prstGeom prst="rect">
             <a:avLst/>
@@ -13169,8 +13169,8 @@
               <a:buChar char="•"/>
             </a:pPr>
             <a:r>
-              <a:rPr lang="en-US" dirty="0"/>
-              <a:t>Data comes in a variety of types.</a:t>
+              <a:rPr lang="en-US" sz="2000" dirty="0"/>
+              <a:t>Data comes in a variety of types. </a:t>
             </a:r>
           </a:p>
           <a:p>
@@ -13178,7 +13178,7 @@
               <a:buFont typeface="Arial" panose="020B0604020202020204" pitchFamily="34" charset="0"/>
               <a:buChar char="•"/>
             </a:pPr>
-            <a:endParaRPr lang="en-US" dirty="0"/>
+            <a:endParaRPr lang="en-US" sz="2000" dirty="0"/>
           </a:p>
           <a:p>
             <a:pPr marL="285750" indent="-285750">
@@ -13186,18 +13186,8 @@
               <a:buChar char="•"/>
             </a:pPr>
             <a:r>
-              <a:rPr lang="en-US" dirty="0"/>
-              <a:t>We measure quantities numerically with decimal numbers. In R, represented by </a:t>
-            </a:r>
-            <a:r>
-              <a:rPr lang="en-US" dirty="0">
-                <a:latin typeface="Courier"/>
-              </a:rPr>
-              <a:t>numeric</a:t>
-            </a:r>
-            <a:r>
-              <a:rPr lang="en-US" dirty="0"/>
-              <a:t>.</a:t>
+              <a:rPr lang="en-US" sz="2000" dirty="0"/>
+              <a:t>For example, </a:t>
             </a:r>
           </a:p>
           <a:p>
@@ -13205,25 +13195,52 @@
               <a:buFont typeface="Arial" panose="020B0604020202020204" pitchFamily="34" charset="0"/>
               <a:buChar char="•"/>
             </a:pPr>
-            <a:endParaRPr lang="en-US" dirty="0"/>
+            <a:endParaRPr lang="en-US" sz="2000" dirty="0"/>
+          </a:p>
+          <a:p>
+            <a:pPr marL="800100" lvl="1" indent="-342900">
+              <a:buFont typeface="Arial" panose="020B0604020202020204" pitchFamily="34" charset="0"/>
+              <a:buChar char="•"/>
+            </a:pPr>
+            <a:r>
+              <a:rPr lang="en-US" sz="2000" dirty="0"/>
+              <a:t>We measure numerical quantities with decimal numbers. In R, represented by </a:t>
+            </a:r>
+            <a:r>
+              <a:rPr lang="en-US" sz="2000" dirty="0">
+                <a:latin typeface="Courier"/>
+              </a:rPr>
+              <a:t>numeric</a:t>
+            </a:r>
+            <a:r>
+              <a:rPr lang="en-US" sz="2000" dirty="0"/>
+              <a:t>.</a:t>
+            </a:r>
           </a:p>
           <a:p>
             <a:pPr marL="285750" indent="-285750">
               <a:buFont typeface="Arial" panose="020B0604020202020204" pitchFamily="34" charset="0"/>
               <a:buChar char="•"/>
             </a:pPr>
-            <a:r>
-              <a:rPr lang="en-US" dirty="0"/>
+            <a:endParaRPr lang="en-US" sz="2000" dirty="0"/>
+          </a:p>
+          <a:p>
+            <a:pPr marL="742950" lvl="1" indent="-285750">
+              <a:buFont typeface="Arial" panose="020B0604020202020204" pitchFamily="34" charset="0"/>
+              <a:buChar char="•"/>
+            </a:pPr>
+            <a:r>
+              <a:rPr lang="en-US" sz="2000" dirty="0"/>
               <a:t>Count certain observations with whole numbers. In R, represented by </a:t>
             </a:r>
             <a:r>
-              <a:rPr lang="en-US" dirty="0">
+              <a:rPr lang="en-US" sz="2000" dirty="0">
                 <a:latin typeface="Courier"/>
               </a:rPr>
               <a:t>numeric</a:t>
             </a:r>
             <a:r>
-              <a:rPr lang="en-US" dirty="0"/>
+              <a:rPr lang="en-US" sz="2000" dirty="0"/>
               <a:t>.</a:t>
             </a:r>
           </a:p>
@@ -13232,25 +13249,25 @@
               <a:buFont typeface="Arial" panose="020B0604020202020204" pitchFamily="34" charset="0"/>
               <a:buChar char="•"/>
             </a:pPr>
-            <a:endParaRPr lang="en-US" dirty="0"/>
-          </a:p>
-          <a:p>
-            <a:pPr marL="285750" indent="-285750">
+            <a:endParaRPr lang="en-US" sz="2000" dirty="0"/>
+          </a:p>
+          <a:p>
+            <a:pPr marL="742950" lvl="1" indent="-285750">
               <a:buFont typeface="Arial" panose="020B0604020202020204" pitchFamily="34" charset="0"/>
               <a:buChar char="•"/>
             </a:pPr>
             <a:r>
-              <a:rPr lang="en-US" dirty="0"/>
+              <a:rPr lang="en-US" sz="2000" dirty="0"/>
               <a:t>Record qualitative or categorical observations using text-based labeling. In R, represented by </a:t>
             </a:r>
             <a:r>
-              <a:rPr lang="en-US" dirty="0">
+              <a:rPr lang="en-US" sz="2000" dirty="0">
                 <a:latin typeface="Courier"/>
               </a:rPr>
               <a:t>character</a:t>
             </a:r>
             <a:r>
-              <a:rPr lang="en-US" dirty="0"/>
+              <a:rPr lang="en-US" sz="2000" dirty="0"/>
               <a:t>.</a:t>
             </a:r>
           </a:p>
@@ -14165,7 +14182,7 @@
         <p:spPr>
           <a:xfrm>
             <a:off x="685800" y="1181100"/>
-            <a:ext cx="10677525" cy="1477328"/>
+            <a:ext cx="10677525" cy="1600438"/>
           </a:xfrm>
           <a:prstGeom prst="rect">
             <a:avLst/>
@@ -14183,27 +14200,27 @@
               <a:buChar char="•"/>
             </a:pPr>
             <a:r>
-              <a:rPr lang="en-US" dirty="0"/>
+              <a:rPr lang="en-US" sz="2000" dirty="0"/>
               <a:t>Often, we store a data set as a </a:t>
             </a:r>
             <a:r>
-              <a:rPr lang="en-US" dirty="0" err="1">
+              <a:rPr lang="en-US" sz="2000" dirty="0" err="1">
                 <a:latin typeface="Courier"/>
               </a:rPr>
               <a:t>data.frame</a:t>
             </a:r>
             <a:r>
-              <a:rPr lang="en-US" dirty="0"/>
+              <a:rPr lang="en-US" sz="2000" dirty="0"/>
               <a:t> or </a:t>
             </a:r>
             <a:r>
-              <a:rPr lang="en-US" dirty="0" err="1">
+              <a:rPr lang="en-US" sz="2000" dirty="0" err="1">
                 <a:latin typeface="Courier"/>
               </a:rPr>
               <a:t>tibble</a:t>
             </a:r>
             <a:r>
-              <a:rPr lang="en-US" dirty="0"/>
+              <a:rPr lang="en-US" sz="2000" dirty="0"/>
               <a:t> in R.</a:t>
             </a:r>
           </a:p>
@@ -14212,7 +14229,7 @@
               <a:buFont typeface="Arial" panose="020B0604020202020204" pitchFamily="34" charset="0"/>
               <a:buChar char="•"/>
             </a:pPr>
-            <a:endParaRPr lang="en-US" dirty="0"/>
+            <a:endParaRPr lang="en-US" sz="2000" dirty="0"/>
           </a:p>
           <a:p>
             <a:pPr marL="742950" lvl="1" indent="-285750">
@@ -14220,13 +14237,13 @@
               <a:buChar char="•"/>
             </a:pPr>
             <a:r>
-              <a:rPr lang="en-US" dirty="0"/>
+              <a:rPr lang="en-US" sz="2000" dirty="0"/>
               <a:t>Each column in a data frame can have a different type for the data it contains.</a:t>
             </a:r>
           </a:p>
           <a:p>
             <a:pPr lvl="1"/>
-            <a:endParaRPr lang="en-US" dirty="0"/>
+            <a:endParaRPr lang="en-US" sz="2000" dirty="0"/>
           </a:p>
           <a:p>
             <a:pPr lvl="1"/>
@@ -14249,7 +14266,7 @@
         <p:spPr>
           <a:xfrm>
             <a:off x="757237" y="2359412"/>
-            <a:ext cx="10677525" cy="3139321"/>
+            <a:ext cx="10677525" cy="3385542"/>
           </a:xfrm>
           <a:prstGeom prst="rect">
             <a:avLst/>
@@ -14267,7 +14284,7 @@
               <a:buChar char="•"/>
             </a:pPr>
             <a:r>
-              <a:rPr lang="en-US" dirty="0"/>
+              <a:rPr lang="en-US" sz="2000" dirty="0"/>
               <a:t>We will work with three data sets:</a:t>
             </a:r>
           </a:p>
@@ -14276,7 +14293,7 @@
               <a:buFont typeface="Arial" panose="020B0604020202020204" pitchFamily="34" charset="0"/>
               <a:buChar char="•"/>
             </a:pPr>
-            <a:endParaRPr lang="en-US" dirty="0"/>
+            <a:endParaRPr lang="en-US" sz="2000" dirty="0"/>
           </a:p>
           <a:p>
             <a:pPr marL="800100" lvl="1" indent="-342900">
@@ -14284,33 +14301,33 @@
               <a:buAutoNum type="arabicPeriod"/>
             </a:pPr>
             <a:r>
-              <a:rPr lang="en-US" dirty="0"/>
+              <a:rPr lang="en-US" sz="2000" dirty="0"/>
               <a:t>The restaurants and food service data from </a:t>
             </a:r>
             <a:r>
-              <a:rPr lang="en-US" dirty="0">
+              <a:rPr lang="en-US" sz="2000" dirty="0">
                 <a:hlinkClick r:id="rId3"/>
               </a:rPr>
               <a:t>Data USA</a:t>
             </a:r>
             <a:r>
-              <a:rPr lang="en-US" dirty="0"/>
+              <a:rPr lang="en-US" sz="2000" dirty="0"/>
               <a:t> contained in the </a:t>
             </a:r>
             <a:r>
-              <a:rPr lang="en-US" dirty="0">
+              <a:rPr lang="en-US" sz="2000" dirty="0">
                 <a:latin typeface="Courier"/>
               </a:rPr>
               <a:t>Monthly </a:t>
             </a:r>
             <a:r>
-              <a:rPr lang="en-US" dirty="0" err="1">
+              <a:rPr lang="en-US" sz="2000" dirty="0" err="1">
                 <a:latin typeface="Courier"/>
               </a:rPr>
               <a:t>Employment.csv</a:t>
             </a:r>
             <a:r>
-              <a:rPr lang="en-US" dirty="0"/>
+              <a:rPr lang="en-US" sz="2000" dirty="0"/>
               <a:t> file,</a:t>
             </a:r>
           </a:p>
@@ -14319,7 +14336,7 @@
               <a:buFont typeface="+mj-lt"/>
               <a:buAutoNum type="arabicPeriod"/>
             </a:pPr>
-            <a:endParaRPr lang="en-US" dirty="0"/>
+            <a:endParaRPr lang="en-US" sz="2000" dirty="0"/>
           </a:p>
           <a:p>
             <a:pPr marL="800100" lvl="1" indent="-342900">
@@ -14327,27 +14344,27 @@
               <a:buAutoNum type="arabicPeriod"/>
             </a:pPr>
             <a:r>
-              <a:rPr lang="en-US" dirty="0"/>
+              <a:rPr lang="en-US" sz="2000" dirty="0"/>
               <a:t>the </a:t>
             </a:r>
             <a:r>
-              <a:rPr lang="en-US" dirty="0">
+              <a:rPr lang="en-US" sz="2000" dirty="0">
                 <a:hlinkClick r:id="rId4"/>
               </a:rPr>
               <a:t>R and R Packages download data</a:t>
             </a:r>
             <a:r>
-              <a:rPr lang="en-US" dirty="0"/>
+              <a:rPr lang="en-US" sz="2000" dirty="0"/>
               <a:t> from </a:t>
             </a:r>
             <a:r>
-              <a:rPr lang="en-US" dirty="0">
+              <a:rPr lang="en-US" sz="2000" dirty="0">
                 <a:hlinkClick r:id="rId5"/>
               </a:rPr>
               <a:t>Tidy Tuesday</a:t>
             </a:r>
             <a:r>
-              <a:rPr lang="en-US" dirty="0"/>
+              <a:rPr lang="en-US" sz="2000" dirty="0"/>
               <a:t>, and</a:t>
             </a:r>
           </a:p>
@@ -14356,7 +14373,7 @@
               <a:buFont typeface="+mj-lt"/>
               <a:buAutoNum type="arabicPeriod"/>
             </a:pPr>
-            <a:endParaRPr lang="en-US" dirty="0"/>
+            <a:endParaRPr lang="en-US" sz="2000" dirty="0"/>
           </a:p>
           <a:p>
             <a:pPr marL="800100" lvl="1" indent="-342900">
@@ -14364,17 +14381,17 @@
               <a:buAutoNum type="arabicPeriod"/>
             </a:pPr>
             <a:r>
-              <a:rPr lang="en-US" dirty="0"/>
+              <a:rPr lang="en-US" sz="2000" dirty="0"/>
               <a:t>the airline flights data from the </a:t>
             </a:r>
             <a:r>
-              <a:rPr lang="en-US" dirty="0">
+              <a:rPr lang="en-US" sz="2000" dirty="0">
                 <a:latin typeface="Courier"/>
               </a:rPr>
               <a:t>nycflights13</a:t>
             </a:r>
             <a:r>
-              <a:rPr lang="en-US" dirty="0"/>
+              <a:rPr lang="en-US" sz="2000" dirty="0"/>
               <a:t> package.</a:t>
             </a:r>
           </a:p>
@@ -14678,8 +14695,8 @@
         </p:nvSpPr>
         <p:spPr>
           <a:xfrm>
-            <a:off x="685800" y="1181100"/>
-            <a:ext cx="10677525" cy="1477328"/>
+            <a:off x="685800" y="1457511"/>
+            <a:ext cx="10677525" cy="1600438"/>
           </a:xfrm>
           <a:prstGeom prst="rect">
             <a:avLst/>
@@ -14697,7 +14714,7 @@
               <a:buChar char="•"/>
             </a:pPr>
             <a:r>
-              <a:rPr lang="en-US" dirty="0"/>
+              <a:rPr lang="en-US" sz="2000" dirty="0"/>
               <a:t>Let’s look at what is in the data frames for our working examples data.</a:t>
             </a:r>
           </a:p>
@@ -14706,7 +14723,7 @@
               <a:buFont typeface="Arial" panose="020B0604020202020204" pitchFamily="34" charset="0"/>
               <a:buChar char="•"/>
             </a:pPr>
-            <a:endParaRPr lang="en-US" dirty="0"/>
+            <a:endParaRPr lang="en-US" sz="2000" dirty="0"/>
           </a:p>
           <a:p>
             <a:pPr marL="742950" lvl="1" indent="-285750">
@@ -14714,7 +14731,7 @@
               <a:buChar char="•"/>
             </a:pPr>
             <a:r>
-              <a:rPr lang="en-US" dirty="0"/>
+              <a:rPr lang="en-US" sz="2000" dirty="0"/>
               <a:t>We will show the first few rows for the food services and R package downloads data sets.</a:t>
             </a:r>
           </a:p>
@@ -14723,7 +14740,7 @@
               <a:buFont typeface="Arial" panose="020B0604020202020204" pitchFamily="34" charset="0"/>
               <a:buChar char="•"/>
             </a:pPr>
-            <a:endParaRPr lang="en-US" dirty="0"/>
+            <a:endParaRPr lang="en-US" sz="2000" dirty="0"/>
           </a:p>
           <a:p>
             <a:endParaRPr lang="en-US" dirty="0"/>
@@ -17484,7 +17501,7 @@
         <p:spPr>
           <a:xfrm>
             <a:off x="1359810" y="4167383"/>
-            <a:ext cx="10677525" cy="923330"/>
+            <a:ext cx="10677525" cy="984885"/>
           </a:xfrm>
           <a:prstGeom prst="rect">
             <a:avLst/>
@@ -17502,7 +17519,7 @@
               <a:buChar char="•"/>
             </a:pPr>
             <a:r>
-              <a:rPr lang="en-US" dirty="0"/>
+              <a:rPr lang="en-US" sz="2000" dirty="0"/>
               <a:t>What do you think are the data types for each column of the data? </a:t>
             </a:r>
           </a:p>
@@ -17511,7 +17528,7 @@
               <a:buFont typeface="Arial" panose="020B0604020202020204" pitchFamily="34" charset="0"/>
               <a:buChar char="•"/>
             </a:pPr>
-            <a:endParaRPr lang="en-US" dirty="0"/>
+            <a:endParaRPr lang="en-US" sz="2000" dirty="0"/>
           </a:p>
           <a:p>
             <a:endParaRPr lang="en-US" dirty="0"/>
@@ -17802,7 +17819,7 @@
         <p:spPr>
           <a:xfrm>
             <a:off x="1359810" y="4167383"/>
-            <a:ext cx="10677525" cy="923330"/>
+            <a:ext cx="10677525" cy="954107"/>
           </a:xfrm>
           <a:prstGeom prst="rect">
             <a:avLst/>
@@ -17820,7 +17837,7 @@
               <a:buChar char="•"/>
             </a:pPr>
             <a:r>
-              <a:rPr lang="en-US" dirty="0"/>
+              <a:rPr lang="en-US" sz="2000" dirty="0"/>
               <a:t>What do you think are the data types for each column of the data? </a:t>
             </a:r>
           </a:p>

--- a/slides/date_time_lecture.pptx
+++ b/slides/date_time_lecture.pptx
@@ -11170,16 +11170,79 @@
             </a:r>
           </a:p>
           <a:p>
-            <a:pPr marL="285750" lvl="0" indent="-285750">
-              <a:buFont typeface="Arial" panose="020B0604020202020204" pitchFamily="34" charset="0"/>
-              <a:buChar char="•"/>
-            </a:pPr>
+            <a:pPr lvl="0"/>
             <a:endParaRPr lang="en-US" dirty="0"/>
           </a:p>
           <a:p>
             <a:endParaRPr lang="en-US" dirty="0"/>
           </a:p>
           <a:p>
+            <a:endParaRPr lang="en-US" dirty="0"/>
+          </a:p>
+        </p:txBody>
+      </p:sp>
+      <p:sp>
+        <p:nvSpPr>
+          <p:cNvPr id="2" name="TextBox 1">
+            <a:extLst>
+              <a:ext uri="{FF2B5EF4-FFF2-40B4-BE49-F238E27FC236}">
+                <a16:creationId xmlns:a16="http://schemas.microsoft.com/office/drawing/2014/main" id="{EE78C0C7-9876-C93D-E764-5C67E7437EFA}"/>
+              </a:ext>
+            </a:extLst>
+          </p:cNvPr>
+          <p:cNvSpPr txBox="1"/>
+          <p:nvPr/>
+        </p:nvSpPr>
+        <p:spPr>
+          <a:xfrm>
+            <a:off x="685800" y="4647109"/>
+            <a:ext cx="8708281" cy="369332"/>
+          </a:xfrm>
+          <a:prstGeom prst="rect">
+            <a:avLst/>
+          </a:prstGeom>
+          <a:noFill/>
+        </p:spPr>
+        <p:txBody>
+          <a:bodyPr wrap="none" rtlCol="0">
+            <a:spAutoFit/>
+          </a:bodyPr>
+          <a:lstStyle/>
+          <a:p>
+            <a:r>
+              <a:rPr lang="en-US" dirty="0"/>
+              <a:t>Code and data for this lesson is available at </a:t>
+            </a:r>
+            <a:r>
+              <a:rPr lang="en-US" dirty="0">
+                <a:hlinkClick r:id="rId3"/>
+              </a:rPr>
+              <a:t>https://</a:t>
+            </a:r>
+            <a:r>
+              <a:rPr lang="en-US" dirty="0" err="1">
+                <a:hlinkClick r:id="rId3"/>
+              </a:rPr>
+              <a:t>github.com</a:t>
+            </a:r>
+            <a:r>
+              <a:rPr lang="en-US" dirty="0">
+                <a:hlinkClick r:id="rId3"/>
+              </a:rPr>
+              <a:t>/jmgraham30/</a:t>
+            </a:r>
+            <a:r>
+              <a:rPr lang="en-US" dirty="0" err="1">
+                <a:hlinkClick r:id="rId3"/>
+              </a:rPr>
+              <a:t>SWBmodules</a:t>
+            </a:r>
+            <a:r>
+              <a:rPr lang="en-US" dirty="0">
+                <a:hlinkClick r:id="rId3"/>
+              </a:rPr>
+              <a:t> </a:t>
+            </a:r>
             <a:endParaRPr lang="en-US" dirty="0"/>
           </a:p>
         </p:txBody>

--- a/slides/date_time_lecture.pptx
+++ b/slides/date_time_lecture.pptx
@@ -799,6 +799,90 @@
     </a:lvl9pPr>
   </p:notesStyle>
 </p:notesMaster>
+</file>
+
+<file path=ppt/notesSlides/notesSlide1.xml><?xml version="1.0" encoding="utf-8"?>
+<p:notes xmlns:a="http://schemas.openxmlformats.org/drawingml/2006/main" xmlns:r="http://schemas.openxmlformats.org/officeDocument/2006/relationships" xmlns:p="http://schemas.openxmlformats.org/presentationml/2006/main">
+  <p:cSld>
+    <p:spTree>
+      <p:nvGrpSpPr>
+        <p:cNvPr id="1" name=""/>
+        <p:cNvGrpSpPr/>
+        <p:nvPr/>
+      </p:nvGrpSpPr>
+      <p:grpSpPr>
+        <a:xfrm>
+          <a:off x="0" y="0"/>
+          <a:ext cx="0" cy="0"/>
+          <a:chOff x="0" y="0"/>
+          <a:chExt cx="0" cy="0"/>
+        </a:xfrm>
+      </p:grpSpPr>
+      <p:sp>
+        <p:nvSpPr>
+          <p:cNvPr id="2" name="Slide Image Placeholder 1"/>
+          <p:cNvSpPr>
+            <a:spLocks noGrp="1" noRot="1" noChangeAspect="1"/>
+          </p:cNvSpPr>
+          <p:nvPr>
+            <p:ph type="sldImg"/>
+          </p:nvPr>
+        </p:nvSpPr>
+        <p:spPr/>
+      </p:sp>
+      <p:sp>
+        <p:nvSpPr>
+          <p:cNvPr id="3" name="Notes Placeholder 2"/>
+          <p:cNvSpPr>
+            <a:spLocks noGrp="1"/>
+          </p:cNvSpPr>
+          <p:nvPr>
+            <p:ph type="body" idx="1"/>
+          </p:nvPr>
+        </p:nvSpPr>
+        <p:spPr/>
+        <p:txBody>
+          <a:bodyPr/>
+          <a:lstStyle/>
+          <a:p>
+            <a:endParaRPr lang="en-US" dirty="0"/>
+          </a:p>
+        </p:txBody>
+      </p:sp>
+      <p:sp>
+        <p:nvSpPr>
+          <p:cNvPr id="4" name="Slide Number Placeholder 3"/>
+          <p:cNvSpPr>
+            <a:spLocks noGrp="1"/>
+          </p:cNvSpPr>
+          <p:nvPr>
+            <p:ph type="sldNum" sz="quarter" idx="5"/>
+          </p:nvPr>
+        </p:nvSpPr>
+        <p:spPr/>
+        <p:txBody>
+          <a:bodyPr/>
+          <a:lstStyle/>
+          <a:p>
+            <a:fld id="{2B89F955-1BAC-4A31-9399-01A0798B12EA}" type="slidenum">
+              <a:rPr lang="en-US" smtClean="0"/>
+              <a:t>18</a:t>
+            </a:fld>
+            <a:endParaRPr lang="en-US"/>
+          </a:p>
+        </p:txBody>
+      </p:sp>
+    </p:spTree>
+    <p:extLst>
+      <p:ext uri="{BB962C8B-B14F-4D97-AF65-F5344CB8AC3E}">
+        <p14:creationId xmlns:p14="http://schemas.microsoft.com/office/powerpoint/2010/main" val="3927270340"/>
+      </p:ext>
+    </p:extLst>
+  </p:cSld>
+  <p:clrMapOvr>
+    <a:masterClrMapping/>
+  </p:clrMapOvr>
+</p:notes>
 </file>
 
 <file path=ppt/slideLayouts/slideLayout1.xml><?xml version="1.0" encoding="utf-8"?>
@@ -10610,7 +10694,7 @@
           <p:nvPr/>
         </p:nvPicPr>
         <p:blipFill>
-          <a:blip r:embed="rId2" cstate="hqprint">
+          <a:blip r:embed="rId3" cstate="hqprint">
             <a:extLst>
               <a:ext uri="{28A0092B-C50C-407E-A947-70E740481C1C}">
                 <a14:useLocalDpi xmlns:a14="http://schemas.microsoft.com/office/drawing/2010/main" val="0"/>
